--- a/ppt 16-9/0263.天堂歌声.pptx
+++ b/ppt 16-9/0263.天堂歌声.pptx
@@ -129,7 +129,7 @@
           <p:cNvPr id="2" name="标题 1">
             <a:extLst>
               <a:ext uri="{FF2B5EF4-FFF2-40B4-BE49-F238E27FC236}">
-                <a16:creationId xmlns:a16="http://schemas.microsoft.com/office/drawing/2014/main" id="{370A2D60-D296-4E45-A9E9-6AA5F8B91043}"/>
+                <a16:creationId xmlns:a16="http://schemas.microsoft.com/office/drawing/2014/main" id="{BAE04179-4E12-1C71-58DF-F72A3B5623D1}"/>
               </a:ext>
             </a:extLst>
           </p:cNvPr>
@@ -166,7 +166,7 @@
           <p:cNvPr id="3" name="副标题 2">
             <a:extLst>
               <a:ext uri="{FF2B5EF4-FFF2-40B4-BE49-F238E27FC236}">
-                <a16:creationId xmlns:a16="http://schemas.microsoft.com/office/drawing/2014/main" id="{B40128E4-1A77-A387-F938-D141343CEE35}"/>
+                <a16:creationId xmlns:a16="http://schemas.microsoft.com/office/drawing/2014/main" id="{7E7564D6-DDC1-BB6D-5B77-60FE9DFE3DAC}"/>
               </a:ext>
             </a:extLst>
           </p:cNvPr>
@@ -236,7 +236,7 @@
           <p:cNvPr id="4" name="日期占位符 3">
             <a:extLst>
               <a:ext uri="{FF2B5EF4-FFF2-40B4-BE49-F238E27FC236}">
-                <a16:creationId xmlns:a16="http://schemas.microsoft.com/office/drawing/2014/main" id="{5BC73FF9-F99C-4129-CA6E-2660B34421AC}"/>
+                <a16:creationId xmlns:a16="http://schemas.microsoft.com/office/drawing/2014/main" id="{F140E7FC-22E3-9A8F-1FA8-7057F86DC1FB}"/>
               </a:ext>
             </a:extLst>
           </p:cNvPr>
@@ -252,7 +252,7 @@
           <a:bodyPr/>
           <a:lstStyle/>
           <a:p>
-            <a:fld id="{AE08E73F-E472-4BA9-A4C1-B377D2F446DE}" type="datetimeFigureOut">
+            <a:fld id="{B9A28B4A-60F5-4997-8B5A-72EA4D88CEFD}" type="datetimeFigureOut">
               <a:rPr lang="zh-CN" altLang="en-US" smtClean="0"/>
               <a:t>2024/3/10</a:t>
             </a:fld>
@@ -265,7 +265,7 @@
           <p:cNvPr id="5" name="页脚占位符 4">
             <a:extLst>
               <a:ext uri="{FF2B5EF4-FFF2-40B4-BE49-F238E27FC236}">
-                <a16:creationId xmlns:a16="http://schemas.microsoft.com/office/drawing/2014/main" id="{26D833AA-878E-97D3-9966-AD0C34317BC4}"/>
+                <a16:creationId xmlns:a16="http://schemas.microsoft.com/office/drawing/2014/main" id="{6E7D7E39-A733-5327-4F80-14C165EBC4D4}"/>
               </a:ext>
             </a:extLst>
           </p:cNvPr>
@@ -290,7 +290,7 @@
           <p:cNvPr id="6" name="灯片编号占位符 5">
             <a:extLst>
               <a:ext uri="{FF2B5EF4-FFF2-40B4-BE49-F238E27FC236}">
-                <a16:creationId xmlns:a16="http://schemas.microsoft.com/office/drawing/2014/main" id="{379A0481-3742-7C8F-2F94-D7444EC8C46A}"/>
+                <a16:creationId xmlns:a16="http://schemas.microsoft.com/office/drawing/2014/main" id="{FB201301-2C22-7D58-D81C-AEAADB9C5890}"/>
               </a:ext>
             </a:extLst>
           </p:cNvPr>
@@ -306,7 +306,7 @@
           <a:bodyPr/>
           <a:lstStyle/>
           <a:p>
-            <a:fld id="{4F4FAEB4-4063-42E6-A7EA-AD15066868D5}" type="slidenum">
+            <a:fld id="{843B6D1E-FF17-41A3-9A3C-BE80BB4271EF}" type="slidenum">
               <a:rPr lang="zh-CN" altLang="en-US" smtClean="0"/>
               <a:t>‹#›</a:t>
             </a:fld>
@@ -317,7 +317,7 @@
     </p:spTree>
     <p:extLst>
       <p:ext uri="{BB962C8B-B14F-4D97-AF65-F5344CB8AC3E}">
-        <p14:creationId xmlns:p14="http://schemas.microsoft.com/office/powerpoint/2010/main" val="2070134067"/>
+        <p14:creationId xmlns:p14="http://schemas.microsoft.com/office/powerpoint/2010/main" val="3403549230"/>
       </p:ext>
     </p:extLst>
   </p:cSld>
@@ -349,7 +349,7 @@
           <p:cNvPr id="2" name="标题 1">
             <a:extLst>
               <a:ext uri="{FF2B5EF4-FFF2-40B4-BE49-F238E27FC236}">
-                <a16:creationId xmlns:a16="http://schemas.microsoft.com/office/drawing/2014/main" id="{FE462BEB-741D-CE25-EC25-EBA5173A53EC}"/>
+                <a16:creationId xmlns:a16="http://schemas.microsoft.com/office/drawing/2014/main" id="{4F25B898-B00B-BE37-AF45-F084C8625ED4}"/>
               </a:ext>
             </a:extLst>
           </p:cNvPr>
@@ -377,7 +377,7 @@
           <p:cNvPr id="3" name="竖排文字占位符 2">
             <a:extLst>
               <a:ext uri="{FF2B5EF4-FFF2-40B4-BE49-F238E27FC236}">
-                <a16:creationId xmlns:a16="http://schemas.microsoft.com/office/drawing/2014/main" id="{1104394C-D68B-365D-5BC0-29F0E7BA8BB5}"/>
+                <a16:creationId xmlns:a16="http://schemas.microsoft.com/office/drawing/2014/main" id="{6715B047-C78F-2AE1-29F1-8995CB03B479}"/>
               </a:ext>
             </a:extLst>
           </p:cNvPr>
@@ -434,7 +434,7 @@
           <p:cNvPr id="4" name="日期占位符 3">
             <a:extLst>
               <a:ext uri="{FF2B5EF4-FFF2-40B4-BE49-F238E27FC236}">
-                <a16:creationId xmlns:a16="http://schemas.microsoft.com/office/drawing/2014/main" id="{42DF143A-1F58-9C01-0BE2-8060ABD80A8C}"/>
+                <a16:creationId xmlns:a16="http://schemas.microsoft.com/office/drawing/2014/main" id="{8B85FE3E-C619-F20B-36AE-B5541F725216}"/>
               </a:ext>
             </a:extLst>
           </p:cNvPr>
@@ -450,7 +450,7 @@
           <a:bodyPr/>
           <a:lstStyle/>
           <a:p>
-            <a:fld id="{AE08E73F-E472-4BA9-A4C1-B377D2F446DE}" type="datetimeFigureOut">
+            <a:fld id="{B9A28B4A-60F5-4997-8B5A-72EA4D88CEFD}" type="datetimeFigureOut">
               <a:rPr lang="zh-CN" altLang="en-US" smtClean="0"/>
               <a:t>2024/3/10</a:t>
             </a:fld>
@@ -463,7 +463,7 @@
           <p:cNvPr id="5" name="页脚占位符 4">
             <a:extLst>
               <a:ext uri="{FF2B5EF4-FFF2-40B4-BE49-F238E27FC236}">
-                <a16:creationId xmlns:a16="http://schemas.microsoft.com/office/drawing/2014/main" id="{43AF8187-446D-9653-AAD6-E743ABF634CE}"/>
+                <a16:creationId xmlns:a16="http://schemas.microsoft.com/office/drawing/2014/main" id="{BB20706E-BCC8-B7C6-DCB5-81AA90285209}"/>
               </a:ext>
             </a:extLst>
           </p:cNvPr>
@@ -488,7 +488,7 @@
           <p:cNvPr id="6" name="灯片编号占位符 5">
             <a:extLst>
               <a:ext uri="{FF2B5EF4-FFF2-40B4-BE49-F238E27FC236}">
-                <a16:creationId xmlns:a16="http://schemas.microsoft.com/office/drawing/2014/main" id="{236FD1FA-86E4-3EE0-CAF3-8F83BB2CFE8C}"/>
+                <a16:creationId xmlns:a16="http://schemas.microsoft.com/office/drawing/2014/main" id="{6E2A2DAB-5E95-6E62-5234-3EE26F8A244D}"/>
               </a:ext>
             </a:extLst>
           </p:cNvPr>
@@ -504,7 +504,7 @@
           <a:bodyPr/>
           <a:lstStyle/>
           <a:p>
-            <a:fld id="{4F4FAEB4-4063-42E6-A7EA-AD15066868D5}" type="slidenum">
+            <a:fld id="{843B6D1E-FF17-41A3-9A3C-BE80BB4271EF}" type="slidenum">
               <a:rPr lang="zh-CN" altLang="en-US" smtClean="0"/>
               <a:t>‹#›</a:t>
             </a:fld>
@@ -515,7 +515,7 @@
     </p:spTree>
     <p:extLst>
       <p:ext uri="{BB962C8B-B14F-4D97-AF65-F5344CB8AC3E}">
-        <p14:creationId xmlns:p14="http://schemas.microsoft.com/office/powerpoint/2010/main" val="4055697551"/>
+        <p14:creationId xmlns:p14="http://schemas.microsoft.com/office/powerpoint/2010/main" val="2258751655"/>
       </p:ext>
     </p:extLst>
   </p:cSld>
@@ -547,7 +547,7 @@
           <p:cNvPr id="2" name="竖排标题 1">
             <a:extLst>
               <a:ext uri="{FF2B5EF4-FFF2-40B4-BE49-F238E27FC236}">
-                <a16:creationId xmlns:a16="http://schemas.microsoft.com/office/drawing/2014/main" id="{3389DA55-FEC0-5E0F-5270-B56442A6AFE7}"/>
+                <a16:creationId xmlns:a16="http://schemas.microsoft.com/office/drawing/2014/main" id="{367B38BA-3C57-9C28-3FE4-3E70FA486A22}"/>
               </a:ext>
             </a:extLst>
           </p:cNvPr>
@@ -580,7 +580,7 @@
           <p:cNvPr id="3" name="竖排文字占位符 2">
             <a:extLst>
               <a:ext uri="{FF2B5EF4-FFF2-40B4-BE49-F238E27FC236}">
-                <a16:creationId xmlns:a16="http://schemas.microsoft.com/office/drawing/2014/main" id="{0D959351-1B50-0D0F-75DE-0367C6AADE68}"/>
+                <a16:creationId xmlns:a16="http://schemas.microsoft.com/office/drawing/2014/main" id="{1A03DA19-D72D-9E63-1328-B13EDCC3F6D5}"/>
               </a:ext>
             </a:extLst>
           </p:cNvPr>
@@ -642,7 +642,7 @@
           <p:cNvPr id="4" name="日期占位符 3">
             <a:extLst>
               <a:ext uri="{FF2B5EF4-FFF2-40B4-BE49-F238E27FC236}">
-                <a16:creationId xmlns:a16="http://schemas.microsoft.com/office/drawing/2014/main" id="{76EF2129-19B7-E600-0FAD-D18146BF1959}"/>
+                <a16:creationId xmlns:a16="http://schemas.microsoft.com/office/drawing/2014/main" id="{C65B0999-C7A4-3ADB-73BE-00363D0C7170}"/>
               </a:ext>
             </a:extLst>
           </p:cNvPr>
@@ -658,7 +658,7 @@
           <a:bodyPr/>
           <a:lstStyle/>
           <a:p>
-            <a:fld id="{AE08E73F-E472-4BA9-A4C1-B377D2F446DE}" type="datetimeFigureOut">
+            <a:fld id="{B9A28B4A-60F5-4997-8B5A-72EA4D88CEFD}" type="datetimeFigureOut">
               <a:rPr lang="zh-CN" altLang="en-US" smtClean="0"/>
               <a:t>2024/3/10</a:t>
             </a:fld>
@@ -671,7 +671,7 @@
           <p:cNvPr id="5" name="页脚占位符 4">
             <a:extLst>
               <a:ext uri="{FF2B5EF4-FFF2-40B4-BE49-F238E27FC236}">
-                <a16:creationId xmlns:a16="http://schemas.microsoft.com/office/drawing/2014/main" id="{40F52B87-68B7-919D-09F9-CE3B9C0D6ECA}"/>
+                <a16:creationId xmlns:a16="http://schemas.microsoft.com/office/drawing/2014/main" id="{7886E2C9-F8CC-6725-F988-0C2F220542A1}"/>
               </a:ext>
             </a:extLst>
           </p:cNvPr>
@@ -696,7 +696,7 @@
           <p:cNvPr id="6" name="灯片编号占位符 5">
             <a:extLst>
               <a:ext uri="{FF2B5EF4-FFF2-40B4-BE49-F238E27FC236}">
-                <a16:creationId xmlns:a16="http://schemas.microsoft.com/office/drawing/2014/main" id="{12D8A210-AB2F-A42C-3BE5-EE1FB2517714}"/>
+                <a16:creationId xmlns:a16="http://schemas.microsoft.com/office/drawing/2014/main" id="{A5FCC435-DAFB-7C96-2BF4-9986CC2F8993}"/>
               </a:ext>
             </a:extLst>
           </p:cNvPr>
@@ -712,7 +712,7 @@
           <a:bodyPr/>
           <a:lstStyle/>
           <a:p>
-            <a:fld id="{4F4FAEB4-4063-42E6-A7EA-AD15066868D5}" type="slidenum">
+            <a:fld id="{843B6D1E-FF17-41A3-9A3C-BE80BB4271EF}" type="slidenum">
               <a:rPr lang="zh-CN" altLang="en-US" smtClean="0"/>
               <a:t>‹#›</a:t>
             </a:fld>
@@ -723,7 +723,7 @@
     </p:spTree>
     <p:extLst>
       <p:ext uri="{BB962C8B-B14F-4D97-AF65-F5344CB8AC3E}">
-        <p14:creationId xmlns:p14="http://schemas.microsoft.com/office/powerpoint/2010/main" val="1060855727"/>
+        <p14:creationId xmlns:p14="http://schemas.microsoft.com/office/powerpoint/2010/main" val="1671696015"/>
       </p:ext>
     </p:extLst>
   </p:cSld>
@@ -755,7 +755,7 @@
           <p:cNvPr id="2" name="标题 1">
             <a:extLst>
               <a:ext uri="{FF2B5EF4-FFF2-40B4-BE49-F238E27FC236}">
-                <a16:creationId xmlns:a16="http://schemas.microsoft.com/office/drawing/2014/main" id="{D98A39A6-5412-2761-1AFB-6DAD3CED0F45}"/>
+                <a16:creationId xmlns:a16="http://schemas.microsoft.com/office/drawing/2014/main" id="{9D35DA86-146E-C357-F10E-30B65C8F682E}"/>
               </a:ext>
             </a:extLst>
           </p:cNvPr>
@@ -783,7 +783,7 @@
           <p:cNvPr id="3" name="内容占位符 2">
             <a:extLst>
               <a:ext uri="{FF2B5EF4-FFF2-40B4-BE49-F238E27FC236}">
-                <a16:creationId xmlns:a16="http://schemas.microsoft.com/office/drawing/2014/main" id="{B7EA37E5-B849-5E10-CF2F-0B5107EFDF64}"/>
+                <a16:creationId xmlns:a16="http://schemas.microsoft.com/office/drawing/2014/main" id="{08EC0AF2-18D9-F53E-F776-D3A8432429B7}"/>
               </a:ext>
             </a:extLst>
           </p:cNvPr>
@@ -840,7 +840,7 @@
           <p:cNvPr id="4" name="日期占位符 3">
             <a:extLst>
               <a:ext uri="{FF2B5EF4-FFF2-40B4-BE49-F238E27FC236}">
-                <a16:creationId xmlns:a16="http://schemas.microsoft.com/office/drawing/2014/main" id="{FABF8318-46C8-FD51-ED60-11C6C4502BEC}"/>
+                <a16:creationId xmlns:a16="http://schemas.microsoft.com/office/drawing/2014/main" id="{887A50FB-E2FD-6B91-3B0B-AA19E60D7A95}"/>
               </a:ext>
             </a:extLst>
           </p:cNvPr>
@@ -856,7 +856,7 @@
           <a:bodyPr/>
           <a:lstStyle/>
           <a:p>
-            <a:fld id="{AE08E73F-E472-4BA9-A4C1-B377D2F446DE}" type="datetimeFigureOut">
+            <a:fld id="{B9A28B4A-60F5-4997-8B5A-72EA4D88CEFD}" type="datetimeFigureOut">
               <a:rPr lang="zh-CN" altLang="en-US" smtClean="0"/>
               <a:t>2024/3/10</a:t>
             </a:fld>
@@ -869,7 +869,7 @@
           <p:cNvPr id="5" name="页脚占位符 4">
             <a:extLst>
               <a:ext uri="{FF2B5EF4-FFF2-40B4-BE49-F238E27FC236}">
-                <a16:creationId xmlns:a16="http://schemas.microsoft.com/office/drawing/2014/main" id="{1ACDD24B-DB7C-5966-1C16-97E5BCA17F33}"/>
+                <a16:creationId xmlns:a16="http://schemas.microsoft.com/office/drawing/2014/main" id="{E5C84F28-5646-7F06-E867-B6500C1EA054}"/>
               </a:ext>
             </a:extLst>
           </p:cNvPr>
@@ -894,7 +894,7 @@
           <p:cNvPr id="6" name="灯片编号占位符 5">
             <a:extLst>
               <a:ext uri="{FF2B5EF4-FFF2-40B4-BE49-F238E27FC236}">
-                <a16:creationId xmlns:a16="http://schemas.microsoft.com/office/drawing/2014/main" id="{6A40FC3F-3B2C-D758-9E1E-606654B83AEB}"/>
+                <a16:creationId xmlns:a16="http://schemas.microsoft.com/office/drawing/2014/main" id="{FA8C6661-9909-9DA9-3E12-08AE8F185246}"/>
               </a:ext>
             </a:extLst>
           </p:cNvPr>
@@ -910,7 +910,7 @@
           <a:bodyPr/>
           <a:lstStyle/>
           <a:p>
-            <a:fld id="{4F4FAEB4-4063-42E6-A7EA-AD15066868D5}" type="slidenum">
+            <a:fld id="{843B6D1E-FF17-41A3-9A3C-BE80BB4271EF}" type="slidenum">
               <a:rPr lang="zh-CN" altLang="en-US" smtClean="0"/>
               <a:t>‹#›</a:t>
             </a:fld>
@@ -921,7 +921,7 @@
     </p:spTree>
     <p:extLst>
       <p:ext uri="{BB962C8B-B14F-4D97-AF65-F5344CB8AC3E}">
-        <p14:creationId xmlns:p14="http://schemas.microsoft.com/office/powerpoint/2010/main" val="3897211362"/>
+        <p14:creationId xmlns:p14="http://schemas.microsoft.com/office/powerpoint/2010/main" val="3684035596"/>
       </p:ext>
     </p:extLst>
   </p:cSld>
@@ -953,7 +953,7 @@
           <p:cNvPr id="2" name="标题 1">
             <a:extLst>
               <a:ext uri="{FF2B5EF4-FFF2-40B4-BE49-F238E27FC236}">
-                <a16:creationId xmlns:a16="http://schemas.microsoft.com/office/drawing/2014/main" id="{1578B6DF-B8BB-CA6B-06CC-44EEB0773C44}"/>
+                <a16:creationId xmlns:a16="http://schemas.microsoft.com/office/drawing/2014/main" id="{61BAE01E-44AB-B536-C679-0DA54B213025}"/>
               </a:ext>
             </a:extLst>
           </p:cNvPr>
@@ -990,7 +990,7 @@
           <p:cNvPr id="3" name="文本占位符 2">
             <a:extLst>
               <a:ext uri="{FF2B5EF4-FFF2-40B4-BE49-F238E27FC236}">
-                <a16:creationId xmlns:a16="http://schemas.microsoft.com/office/drawing/2014/main" id="{8761AD6A-40DC-5164-88EE-ABCC026A86DB}"/>
+                <a16:creationId xmlns:a16="http://schemas.microsoft.com/office/drawing/2014/main" id="{6548D29A-5675-6D4A-8455-6060FBC90544}"/>
               </a:ext>
             </a:extLst>
           </p:cNvPr>
@@ -1115,7 +1115,7 @@
           <p:cNvPr id="4" name="日期占位符 3">
             <a:extLst>
               <a:ext uri="{FF2B5EF4-FFF2-40B4-BE49-F238E27FC236}">
-                <a16:creationId xmlns:a16="http://schemas.microsoft.com/office/drawing/2014/main" id="{F9A28B1F-73C9-7B3E-F423-1C74FAEFBD8C}"/>
+                <a16:creationId xmlns:a16="http://schemas.microsoft.com/office/drawing/2014/main" id="{70B34205-C684-4D28-79FB-5E524CC82A81}"/>
               </a:ext>
             </a:extLst>
           </p:cNvPr>
@@ -1131,7 +1131,7 @@
           <a:bodyPr/>
           <a:lstStyle/>
           <a:p>
-            <a:fld id="{AE08E73F-E472-4BA9-A4C1-B377D2F446DE}" type="datetimeFigureOut">
+            <a:fld id="{B9A28B4A-60F5-4997-8B5A-72EA4D88CEFD}" type="datetimeFigureOut">
               <a:rPr lang="zh-CN" altLang="en-US" smtClean="0"/>
               <a:t>2024/3/10</a:t>
             </a:fld>
@@ -1144,7 +1144,7 @@
           <p:cNvPr id="5" name="页脚占位符 4">
             <a:extLst>
               <a:ext uri="{FF2B5EF4-FFF2-40B4-BE49-F238E27FC236}">
-                <a16:creationId xmlns:a16="http://schemas.microsoft.com/office/drawing/2014/main" id="{9C6C1176-D3DC-48A1-BB26-94EE612EE1F4}"/>
+                <a16:creationId xmlns:a16="http://schemas.microsoft.com/office/drawing/2014/main" id="{CF44F8F4-9D5C-85A4-4FA5-06E6910F9E88}"/>
               </a:ext>
             </a:extLst>
           </p:cNvPr>
@@ -1169,7 +1169,7 @@
           <p:cNvPr id="6" name="灯片编号占位符 5">
             <a:extLst>
               <a:ext uri="{FF2B5EF4-FFF2-40B4-BE49-F238E27FC236}">
-                <a16:creationId xmlns:a16="http://schemas.microsoft.com/office/drawing/2014/main" id="{0B627D28-BCCB-23DD-939B-30D33A8FBE62}"/>
+                <a16:creationId xmlns:a16="http://schemas.microsoft.com/office/drawing/2014/main" id="{F7BB7837-C45C-5DC4-53BC-E5FD1B67A0A8}"/>
               </a:ext>
             </a:extLst>
           </p:cNvPr>
@@ -1185,7 +1185,7 @@
           <a:bodyPr/>
           <a:lstStyle/>
           <a:p>
-            <a:fld id="{4F4FAEB4-4063-42E6-A7EA-AD15066868D5}" type="slidenum">
+            <a:fld id="{843B6D1E-FF17-41A3-9A3C-BE80BB4271EF}" type="slidenum">
               <a:rPr lang="zh-CN" altLang="en-US" smtClean="0"/>
               <a:t>‹#›</a:t>
             </a:fld>
@@ -1196,7 +1196,7 @@
     </p:spTree>
     <p:extLst>
       <p:ext uri="{BB962C8B-B14F-4D97-AF65-F5344CB8AC3E}">
-        <p14:creationId xmlns:p14="http://schemas.microsoft.com/office/powerpoint/2010/main" val="2574225075"/>
+        <p14:creationId xmlns:p14="http://schemas.microsoft.com/office/powerpoint/2010/main" val="2641257897"/>
       </p:ext>
     </p:extLst>
   </p:cSld>
@@ -1228,7 +1228,7 @@
           <p:cNvPr id="2" name="标题 1">
             <a:extLst>
               <a:ext uri="{FF2B5EF4-FFF2-40B4-BE49-F238E27FC236}">
-                <a16:creationId xmlns:a16="http://schemas.microsoft.com/office/drawing/2014/main" id="{AD92BD5E-0891-2A23-1278-51D198EDCD5B}"/>
+                <a16:creationId xmlns:a16="http://schemas.microsoft.com/office/drawing/2014/main" id="{BF01FCC0-D50B-FAE8-9A33-5239B8269B1B}"/>
               </a:ext>
             </a:extLst>
           </p:cNvPr>
@@ -1256,7 +1256,7 @@
           <p:cNvPr id="3" name="内容占位符 2">
             <a:extLst>
               <a:ext uri="{FF2B5EF4-FFF2-40B4-BE49-F238E27FC236}">
-                <a16:creationId xmlns:a16="http://schemas.microsoft.com/office/drawing/2014/main" id="{9E1986A3-8A04-06BA-3D7D-B550990D4647}"/>
+                <a16:creationId xmlns:a16="http://schemas.microsoft.com/office/drawing/2014/main" id="{34C933F7-F373-1E58-9A56-DF9369C662AF}"/>
               </a:ext>
             </a:extLst>
           </p:cNvPr>
@@ -1318,7 +1318,7 @@
           <p:cNvPr id="4" name="内容占位符 3">
             <a:extLst>
               <a:ext uri="{FF2B5EF4-FFF2-40B4-BE49-F238E27FC236}">
-                <a16:creationId xmlns:a16="http://schemas.microsoft.com/office/drawing/2014/main" id="{F510F711-ADE9-97B0-40F8-646504E0ACE6}"/>
+                <a16:creationId xmlns:a16="http://schemas.microsoft.com/office/drawing/2014/main" id="{00A483CD-212D-6916-CD9B-FB4E47B45900}"/>
               </a:ext>
             </a:extLst>
           </p:cNvPr>
@@ -1380,7 +1380,7 @@
           <p:cNvPr id="5" name="日期占位符 4">
             <a:extLst>
               <a:ext uri="{FF2B5EF4-FFF2-40B4-BE49-F238E27FC236}">
-                <a16:creationId xmlns:a16="http://schemas.microsoft.com/office/drawing/2014/main" id="{4561F0DF-8C70-43ED-229C-2CD101312459}"/>
+                <a16:creationId xmlns:a16="http://schemas.microsoft.com/office/drawing/2014/main" id="{98DC850D-945E-5777-167E-3E0E5A3CF722}"/>
               </a:ext>
             </a:extLst>
           </p:cNvPr>
@@ -1396,7 +1396,7 @@
           <a:bodyPr/>
           <a:lstStyle/>
           <a:p>
-            <a:fld id="{AE08E73F-E472-4BA9-A4C1-B377D2F446DE}" type="datetimeFigureOut">
+            <a:fld id="{B9A28B4A-60F5-4997-8B5A-72EA4D88CEFD}" type="datetimeFigureOut">
               <a:rPr lang="zh-CN" altLang="en-US" smtClean="0"/>
               <a:t>2024/3/10</a:t>
             </a:fld>
@@ -1409,7 +1409,7 @@
           <p:cNvPr id="6" name="页脚占位符 5">
             <a:extLst>
               <a:ext uri="{FF2B5EF4-FFF2-40B4-BE49-F238E27FC236}">
-                <a16:creationId xmlns:a16="http://schemas.microsoft.com/office/drawing/2014/main" id="{211543F9-34F0-8724-B16A-EA1523008A69}"/>
+                <a16:creationId xmlns:a16="http://schemas.microsoft.com/office/drawing/2014/main" id="{A5E0FB16-6D32-63C7-6CD5-747519A6B9B3}"/>
               </a:ext>
             </a:extLst>
           </p:cNvPr>
@@ -1434,7 +1434,7 @@
           <p:cNvPr id="7" name="灯片编号占位符 6">
             <a:extLst>
               <a:ext uri="{FF2B5EF4-FFF2-40B4-BE49-F238E27FC236}">
-                <a16:creationId xmlns:a16="http://schemas.microsoft.com/office/drawing/2014/main" id="{F19B1E3D-3EDF-ABA4-57F5-4647CD7069C5}"/>
+                <a16:creationId xmlns:a16="http://schemas.microsoft.com/office/drawing/2014/main" id="{A7B7EA82-4F44-4D11-F134-BF6DF3CDA0EF}"/>
               </a:ext>
             </a:extLst>
           </p:cNvPr>
@@ -1450,7 +1450,7 @@
           <a:bodyPr/>
           <a:lstStyle/>
           <a:p>
-            <a:fld id="{4F4FAEB4-4063-42E6-A7EA-AD15066868D5}" type="slidenum">
+            <a:fld id="{843B6D1E-FF17-41A3-9A3C-BE80BB4271EF}" type="slidenum">
               <a:rPr lang="zh-CN" altLang="en-US" smtClean="0"/>
               <a:t>‹#›</a:t>
             </a:fld>
@@ -1461,7 +1461,7 @@
     </p:spTree>
     <p:extLst>
       <p:ext uri="{BB962C8B-B14F-4D97-AF65-F5344CB8AC3E}">
-        <p14:creationId xmlns:p14="http://schemas.microsoft.com/office/powerpoint/2010/main" val="3367238046"/>
+        <p14:creationId xmlns:p14="http://schemas.microsoft.com/office/powerpoint/2010/main" val="464222784"/>
       </p:ext>
     </p:extLst>
   </p:cSld>
@@ -1493,7 +1493,7 @@
           <p:cNvPr id="2" name="标题 1">
             <a:extLst>
               <a:ext uri="{FF2B5EF4-FFF2-40B4-BE49-F238E27FC236}">
-                <a16:creationId xmlns:a16="http://schemas.microsoft.com/office/drawing/2014/main" id="{28BB73FA-4B1D-F991-4C92-6650206BBBAF}"/>
+                <a16:creationId xmlns:a16="http://schemas.microsoft.com/office/drawing/2014/main" id="{D8392937-A6E2-38ED-D5A0-A97240BC3DC0}"/>
               </a:ext>
             </a:extLst>
           </p:cNvPr>
@@ -1526,7 +1526,7 @@
           <p:cNvPr id="3" name="文本占位符 2">
             <a:extLst>
               <a:ext uri="{FF2B5EF4-FFF2-40B4-BE49-F238E27FC236}">
-                <a16:creationId xmlns:a16="http://schemas.microsoft.com/office/drawing/2014/main" id="{9811AECC-BDFB-AC48-FE12-45F94810B7E4}"/>
+                <a16:creationId xmlns:a16="http://schemas.microsoft.com/office/drawing/2014/main" id="{B2D74132-AFE0-C129-ECBC-385A6349067D}"/>
               </a:ext>
             </a:extLst>
           </p:cNvPr>
@@ -1597,7 +1597,7 @@
           <p:cNvPr id="4" name="内容占位符 3">
             <a:extLst>
               <a:ext uri="{FF2B5EF4-FFF2-40B4-BE49-F238E27FC236}">
-                <a16:creationId xmlns:a16="http://schemas.microsoft.com/office/drawing/2014/main" id="{50827733-7294-EBB9-46C8-C5F69BAE8250}"/>
+                <a16:creationId xmlns:a16="http://schemas.microsoft.com/office/drawing/2014/main" id="{E0493BC5-71BA-D2AB-171E-0BC468775C4D}"/>
               </a:ext>
             </a:extLst>
           </p:cNvPr>
@@ -1659,7 +1659,7 @@
           <p:cNvPr id="5" name="文本占位符 4">
             <a:extLst>
               <a:ext uri="{FF2B5EF4-FFF2-40B4-BE49-F238E27FC236}">
-                <a16:creationId xmlns:a16="http://schemas.microsoft.com/office/drawing/2014/main" id="{198BEEEC-AF47-6774-BED1-5B1E6D20AC11}"/>
+                <a16:creationId xmlns:a16="http://schemas.microsoft.com/office/drawing/2014/main" id="{CA6990C4-FD14-1F13-CE47-E9268AADE219}"/>
               </a:ext>
             </a:extLst>
           </p:cNvPr>
@@ -1730,7 +1730,7 @@
           <p:cNvPr id="6" name="内容占位符 5">
             <a:extLst>
               <a:ext uri="{FF2B5EF4-FFF2-40B4-BE49-F238E27FC236}">
-                <a16:creationId xmlns:a16="http://schemas.microsoft.com/office/drawing/2014/main" id="{479C78CF-FAD1-33ED-B6FD-517779A741FB}"/>
+                <a16:creationId xmlns:a16="http://schemas.microsoft.com/office/drawing/2014/main" id="{0DF95A24-CE84-C769-735E-575722CCDB18}"/>
               </a:ext>
             </a:extLst>
           </p:cNvPr>
@@ -1792,7 +1792,7 @@
           <p:cNvPr id="7" name="日期占位符 6">
             <a:extLst>
               <a:ext uri="{FF2B5EF4-FFF2-40B4-BE49-F238E27FC236}">
-                <a16:creationId xmlns:a16="http://schemas.microsoft.com/office/drawing/2014/main" id="{A12CC45C-864E-91B6-DA79-CC31110E9FE4}"/>
+                <a16:creationId xmlns:a16="http://schemas.microsoft.com/office/drawing/2014/main" id="{000059DD-D787-4095-6719-618396434CE4}"/>
               </a:ext>
             </a:extLst>
           </p:cNvPr>
@@ -1808,7 +1808,7 @@
           <a:bodyPr/>
           <a:lstStyle/>
           <a:p>
-            <a:fld id="{AE08E73F-E472-4BA9-A4C1-B377D2F446DE}" type="datetimeFigureOut">
+            <a:fld id="{B9A28B4A-60F5-4997-8B5A-72EA4D88CEFD}" type="datetimeFigureOut">
               <a:rPr lang="zh-CN" altLang="en-US" smtClean="0"/>
               <a:t>2024/3/10</a:t>
             </a:fld>
@@ -1821,7 +1821,7 @@
           <p:cNvPr id="8" name="页脚占位符 7">
             <a:extLst>
               <a:ext uri="{FF2B5EF4-FFF2-40B4-BE49-F238E27FC236}">
-                <a16:creationId xmlns:a16="http://schemas.microsoft.com/office/drawing/2014/main" id="{DA393605-9633-68CA-66A2-843C98B2598C}"/>
+                <a16:creationId xmlns:a16="http://schemas.microsoft.com/office/drawing/2014/main" id="{97966496-6A39-96DA-A094-BC3D94BA3103}"/>
               </a:ext>
             </a:extLst>
           </p:cNvPr>
@@ -1846,7 +1846,7 @@
           <p:cNvPr id="9" name="灯片编号占位符 8">
             <a:extLst>
               <a:ext uri="{FF2B5EF4-FFF2-40B4-BE49-F238E27FC236}">
-                <a16:creationId xmlns:a16="http://schemas.microsoft.com/office/drawing/2014/main" id="{07272461-0086-D396-811C-B3C7A50407CB}"/>
+                <a16:creationId xmlns:a16="http://schemas.microsoft.com/office/drawing/2014/main" id="{ADE9E7C8-E361-3843-CB6A-74950B67F029}"/>
               </a:ext>
             </a:extLst>
           </p:cNvPr>
@@ -1862,7 +1862,7 @@
           <a:bodyPr/>
           <a:lstStyle/>
           <a:p>
-            <a:fld id="{4F4FAEB4-4063-42E6-A7EA-AD15066868D5}" type="slidenum">
+            <a:fld id="{843B6D1E-FF17-41A3-9A3C-BE80BB4271EF}" type="slidenum">
               <a:rPr lang="zh-CN" altLang="en-US" smtClean="0"/>
               <a:t>‹#›</a:t>
             </a:fld>
@@ -1873,7 +1873,7 @@
     </p:spTree>
     <p:extLst>
       <p:ext uri="{BB962C8B-B14F-4D97-AF65-F5344CB8AC3E}">
-        <p14:creationId xmlns:p14="http://schemas.microsoft.com/office/powerpoint/2010/main" val="471215255"/>
+        <p14:creationId xmlns:p14="http://schemas.microsoft.com/office/powerpoint/2010/main" val="1426427227"/>
       </p:ext>
     </p:extLst>
   </p:cSld>
@@ -1905,7 +1905,7 @@
           <p:cNvPr id="2" name="标题 1">
             <a:extLst>
               <a:ext uri="{FF2B5EF4-FFF2-40B4-BE49-F238E27FC236}">
-                <a16:creationId xmlns:a16="http://schemas.microsoft.com/office/drawing/2014/main" id="{7F4AC0EA-DA4D-FBB1-B3F9-E123317DF8E1}"/>
+                <a16:creationId xmlns:a16="http://schemas.microsoft.com/office/drawing/2014/main" id="{32209AB1-D450-3602-A84C-6BC3B787F0DF}"/>
               </a:ext>
             </a:extLst>
           </p:cNvPr>
@@ -1933,7 +1933,7 @@
           <p:cNvPr id="3" name="日期占位符 2">
             <a:extLst>
               <a:ext uri="{FF2B5EF4-FFF2-40B4-BE49-F238E27FC236}">
-                <a16:creationId xmlns:a16="http://schemas.microsoft.com/office/drawing/2014/main" id="{412F0038-4904-62C5-33A1-EBCA4A56CD9D}"/>
+                <a16:creationId xmlns:a16="http://schemas.microsoft.com/office/drawing/2014/main" id="{1357A750-517B-3FCE-C60B-83F00FDC0E6A}"/>
               </a:ext>
             </a:extLst>
           </p:cNvPr>
@@ -1949,7 +1949,7 @@
           <a:bodyPr/>
           <a:lstStyle/>
           <a:p>
-            <a:fld id="{AE08E73F-E472-4BA9-A4C1-B377D2F446DE}" type="datetimeFigureOut">
+            <a:fld id="{B9A28B4A-60F5-4997-8B5A-72EA4D88CEFD}" type="datetimeFigureOut">
               <a:rPr lang="zh-CN" altLang="en-US" smtClean="0"/>
               <a:t>2024/3/10</a:t>
             </a:fld>
@@ -1962,7 +1962,7 @@
           <p:cNvPr id="4" name="页脚占位符 3">
             <a:extLst>
               <a:ext uri="{FF2B5EF4-FFF2-40B4-BE49-F238E27FC236}">
-                <a16:creationId xmlns:a16="http://schemas.microsoft.com/office/drawing/2014/main" id="{49386DE2-C9D8-3657-CACB-CE2CF0FBE278}"/>
+                <a16:creationId xmlns:a16="http://schemas.microsoft.com/office/drawing/2014/main" id="{9FF78F8B-E317-9D42-491A-B3E3A26EC122}"/>
               </a:ext>
             </a:extLst>
           </p:cNvPr>
@@ -1987,7 +1987,7 @@
           <p:cNvPr id="5" name="灯片编号占位符 4">
             <a:extLst>
               <a:ext uri="{FF2B5EF4-FFF2-40B4-BE49-F238E27FC236}">
-                <a16:creationId xmlns:a16="http://schemas.microsoft.com/office/drawing/2014/main" id="{A9AA9893-1DD4-3C14-A91E-4AD78EE31D9F}"/>
+                <a16:creationId xmlns:a16="http://schemas.microsoft.com/office/drawing/2014/main" id="{B14EE3BC-37B0-E5C4-8DF1-91E119058EEC}"/>
               </a:ext>
             </a:extLst>
           </p:cNvPr>
@@ -2003,7 +2003,7 @@
           <a:bodyPr/>
           <a:lstStyle/>
           <a:p>
-            <a:fld id="{4F4FAEB4-4063-42E6-A7EA-AD15066868D5}" type="slidenum">
+            <a:fld id="{843B6D1E-FF17-41A3-9A3C-BE80BB4271EF}" type="slidenum">
               <a:rPr lang="zh-CN" altLang="en-US" smtClean="0"/>
               <a:t>‹#›</a:t>
             </a:fld>
@@ -2014,7 +2014,7 @@
     </p:spTree>
     <p:extLst>
       <p:ext uri="{BB962C8B-B14F-4D97-AF65-F5344CB8AC3E}">
-        <p14:creationId xmlns:p14="http://schemas.microsoft.com/office/powerpoint/2010/main" val="941003281"/>
+        <p14:creationId xmlns:p14="http://schemas.microsoft.com/office/powerpoint/2010/main" val="27104453"/>
       </p:ext>
     </p:extLst>
   </p:cSld>
@@ -2046,7 +2046,7 @@
           <p:cNvPr id="2" name="日期占位符 1">
             <a:extLst>
               <a:ext uri="{FF2B5EF4-FFF2-40B4-BE49-F238E27FC236}">
-                <a16:creationId xmlns:a16="http://schemas.microsoft.com/office/drawing/2014/main" id="{66F4D6D0-D8D2-41BF-A97A-8AE5F31B44D2}"/>
+                <a16:creationId xmlns:a16="http://schemas.microsoft.com/office/drawing/2014/main" id="{02DE9389-A75F-62ED-0499-4D080AE5C02E}"/>
               </a:ext>
             </a:extLst>
           </p:cNvPr>
@@ -2062,7 +2062,7 @@
           <a:bodyPr/>
           <a:lstStyle/>
           <a:p>
-            <a:fld id="{AE08E73F-E472-4BA9-A4C1-B377D2F446DE}" type="datetimeFigureOut">
+            <a:fld id="{B9A28B4A-60F5-4997-8B5A-72EA4D88CEFD}" type="datetimeFigureOut">
               <a:rPr lang="zh-CN" altLang="en-US" smtClean="0"/>
               <a:t>2024/3/10</a:t>
             </a:fld>
@@ -2075,7 +2075,7 @@
           <p:cNvPr id="3" name="页脚占位符 2">
             <a:extLst>
               <a:ext uri="{FF2B5EF4-FFF2-40B4-BE49-F238E27FC236}">
-                <a16:creationId xmlns:a16="http://schemas.microsoft.com/office/drawing/2014/main" id="{AEF58303-BF6A-7D99-E219-E5B472A03F10}"/>
+                <a16:creationId xmlns:a16="http://schemas.microsoft.com/office/drawing/2014/main" id="{33D98E47-0CE0-0555-C82A-263D0B65CD1D}"/>
               </a:ext>
             </a:extLst>
           </p:cNvPr>
@@ -2100,7 +2100,7 @@
           <p:cNvPr id="4" name="灯片编号占位符 3">
             <a:extLst>
               <a:ext uri="{FF2B5EF4-FFF2-40B4-BE49-F238E27FC236}">
-                <a16:creationId xmlns:a16="http://schemas.microsoft.com/office/drawing/2014/main" id="{C317D601-5AEE-91E8-1E12-2D3BD4BDB8D3}"/>
+                <a16:creationId xmlns:a16="http://schemas.microsoft.com/office/drawing/2014/main" id="{ADC8335F-1A3A-CB9F-397B-8BB770AABBCF}"/>
               </a:ext>
             </a:extLst>
           </p:cNvPr>
@@ -2116,7 +2116,7 @@
           <a:bodyPr/>
           <a:lstStyle/>
           <a:p>
-            <a:fld id="{4F4FAEB4-4063-42E6-A7EA-AD15066868D5}" type="slidenum">
+            <a:fld id="{843B6D1E-FF17-41A3-9A3C-BE80BB4271EF}" type="slidenum">
               <a:rPr lang="zh-CN" altLang="en-US" smtClean="0"/>
               <a:t>‹#›</a:t>
             </a:fld>
@@ -2127,7 +2127,7 @@
     </p:spTree>
     <p:extLst>
       <p:ext uri="{BB962C8B-B14F-4D97-AF65-F5344CB8AC3E}">
-        <p14:creationId xmlns:p14="http://schemas.microsoft.com/office/powerpoint/2010/main" val="98152927"/>
+        <p14:creationId xmlns:p14="http://schemas.microsoft.com/office/powerpoint/2010/main" val="3249367361"/>
       </p:ext>
     </p:extLst>
   </p:cSld>
@@ -2159,7 +2159,7 @@
           <p:cNvPr id="2" name="标题 1">
             <a:extLst>
               <a:ext uri="{FF2B5EF4-FFF2-40B4-BE49-F238E27FC236}">
-                <a16:creationId xmlns:a16="http://schemas.microsoft.com/office/drawing/2014/main" id="{32E72A11-4CCE-BFED-3B0E-043D4614D515}"/>
+                <a16:creationId xmlns:a16="http://schemas.microsoft.com/office/drawing/2014/main" id="{CBE80507-CC8C-A4E1-65DA-2C1CA018F0FA}"/>
               </a:ext>
             </a:extLst>
           </p:cNvPr>
@@ -2196,7 +2196,7 @@
           <p:cNvPr id="3" name="内容占位符 2">
             <a:extLst>
               <a:ext uri="{FF2B5EF4-FFF2-40B4-BE49-F238E27FC236}">
-                <a16:creationId xmlns:a16="http://schemas.microsoft.com/office/drawing/2014/main" id="{356794DC-BA96-CDD5-7114-1B2F51B171CA}"/>
+                <a16:creationId xmlns:a16="http://schemas.microsoft.com/office/drawing/2014/main" id="{FCE6A8E4-96FC-5BDD-68CC-713CE738E52A}"/>
               </a:ext>
             </a:extLst>
           </p:cNvPr>
@@ -2286,7 +2286,7 @@
           <p:cNvPr id="4" name="文本占位符 3">
             <a:extLst>
               <a:ext uri="{FF2B5EF4-FFF2-40B4-BE49-F238E27FC236}">
-                <a16:creationId xmlns:a16="http://schemas.microsoft.com/office/drawing/2014/main" id="{6DB2290B-9237-BAB9-A6C6-BCDBDAFFAF90}"/>
+                <a16:creationId xmlns:a16="http://schemas.microsoft.com/office/drawing/2014/main" id="{FE768170-7A9F-105A-52AE-80ACF5A1D377}"/>
               </a:ext>
             </a:extLst>
           </p:cNvPr>
@@ -2357,7 +2357,7 @@
           <p:cNvPr id="5" name="日期占位符 4">
             <a:extLst>
               <a:ext uri="{FF2B5EF4-FFF2-40B4-BE49-F238E27FC236}">
-                <a16:creationId xmlns:a16="http://schemas.microsoft.com/office/drawing/2014/main" id="{554C286B-9A45-C07C-19CC-B08B91601D23}"/>
+                <a16:creationId xmlns:a16="http://schemas.microsoft.com/office/drawing/2014/main" id="{4E4F58C9-2084-DE4D-0AFE-684384A6E130}"/>
               </a:ext>
             </a:extLst>
           </p:cNvPr>
@@ -2373,7 +2373,7 @@
           <a:bodyPr/>
           <a:lstStyle/>
           <a:p>
-            <a:fld id="{AE08E73F-E472-4BA9-A4C1-B377D2F446DE}" type="datetimeFigureOut">
+            <a:fld id="{B9A28B4A-60F5-4997-8B5A-72EA4D88CEFD}" type="datetimeFigureOut">
               <a:rPr lang="zh-CN" altLang="en-US" smtClean="0"/>
               <a:t>2024/3/10</a:t>
             </a:fld>
@@ -2386,7 +2386,7 @@
           <p:cNvPr id="6" name="页脚占位符 5">
             <a:extLst>
               <a:ext uri="{FF2B5EF4-FFF2-40B4-BE49-F238E27FC236}">
-                <a16:creationId xmlns:a16="http://schemas.microsoft.com/office/drawing/2014/main" id="{9FE1BF7A-57C7-6942-32B7-720C5743FFC2}"/>
+                <a16:creationId xmlns:a16="http://schemas.microsoft.com/office/drawing/2014/main" id="{46DA06C1-DA60-8BFE-7FB1-9A6D5C575E61}"/>
               </a:ext>
             </a:extLst>
           </p:cNvPr>
@@ -2411,7 +2411,7 @@
           <p:cNvPr id="7" name="灯片编号占位符 6">
             <a:extLst>
               <a:ext uri="{FF2B5EF4-FFF2-40B4-BE49-F238E27FC236}">
-                <a16:creationId xmlns:a16="http://schemas.microsoft.com/office/drawing/2014/main" id="{DCF6A1FC-8384-E58E-B3AA-A012ECA5792B}"/>
+                <a16:creationId xmlns:a16="http://schemas.microsoft.com/office/drawing/2014/main" id="{37585671-51E8-9F32-3154-62F302747F0E}"/>
               </a:ext>
             </a:extLst>
           </p:cNvPr>
@@ -2427,7 +2427,7 @@
           <a:bodyPr/>
           <a:lstStyle/>
           <a:p>
-            <a:fld id="{4F4FAEB4-4063-42E6-A7EA-AD15066868D5}" type="slidenum">
+            <a:fld id="{843B6D1E-FF17-41A3-9A3C-BE80BB4271EF}" type="slidenum">
               <a:rPr lang="zh-CN" altLang="en-US" smtClean="0"/>
               <a:t>‹#›</a:t>
             </a:fld>
@@ -2438,7 +2438,7 @@
     </p:spTree>
     <p:extLst>
       <p:ext uri="{BB962C8B-B14F-4D97-AF65-F5344CB8AC3E}">
-        <p14:creationId xmlns:p14="http://schemas.microsoft.com/office/powerpoint/2010/main" val="3029907746"/>
+        <p14:creationId xmlns:p14="http://schemas.microsoft.com/office/powerpoint/2010/main" val="4065072618"/>
       </p:ext>
     </p:extLst>
   </p:cSld>
@@ -2470,7 +2470,7 @@
           <p:cNvPr id="2" name="标题 1">
             <a:extLst>
               <a:ext uri="{FF2B5EF4-FFF2-40B4-BE49-F238E27FC236}">
-                <a16:creationId xmlns:a16="http://schemas.microsoft.com/office/drawing/2014/main" id="{2F4FBF65-55CA-DAD0-8897-501AAE645772}"/>
+                <a16:creationId xmlns:a16="http://schemas.microsoft.com/office/drawing/2014/main" id="{9C0824DF-D05C-2D95-3C1A-CC4C5E04A9FA}"/>
               </a:ext>
             </a:extLst>
           </p:cNvPr>
@@ -2507,7 +2507,7 @@
           <p:cNvPr id="3" name="图片占位符 2">
             <a:extLst>
               <a:ext uri="{FF2B5EF4-FFF2-40B4-BE49-F238E27FC236}">
-                <a16:creationId xmlns:a16="http://schemas.microsoft.com/office/drawing/2014/main" id="{72E8197A-8159-FB07-BB9A-CA3CEA5FAF6B}"/>
+                <a16:creationId xmlns:a16="http://schemas.microsoft.com/office/drawing/2014/main" id="{35BA6646-D72C-5A3D-D141-DE9C0AFFF8AD}"/>
               </a:ext>
             </a:extLst>
           </p:cNvPr>
@@ -2574,7 +2574,7 @@
           <p:cNvPr id="4" name="文本占位符 3">
             <a:extLst>
               <a:ext uri="{FF2B5EF4-FFF2-40B4-BE49-F238E27FC236}">
-                <a16:creationId xmlns:a16="http://schemas.microsoft.com/office/drawing/2014/main" id="{A3AD7EEF-BD79-C34B-E4C3-E211ACC50EEB}"/>
+                <a16:creationId xmlns:a16="http://schemas.microsoft.com/office/drawing/2014/main" id="{D2EBC6DA-10F3-D4DA-0F2E-236F6D7C5971}"/>
               </a:ext>
             </a:extLst>
           </p:cNvPr>
@@ -2645,7 +2645,7 @@
           <p:cNvPr id="5" name="日期占位符 4">
             <a:extLst>
               <a:ext uri="{FF2B5EF4-FFF2-40B4-BE49-F238E27FC236}">
-                <a16:creationId xmlns:a16="http://schemas.microsoft.com/office/drawing/2014/main" id="{7D4168CB-3379-99BB-9F7D-5C61B574A274}"/>
+                <a16:creationId xmlns:a16="http://schemas.microsoft.com/office/drawing/2014/main" id="{49616C99-084E-1148-C72A-F5A40E85F28D}"/>
               </a:ext>
             </a:extLst>
           </p:cNvPr>
@@ -2661,7 +2661,7 @@
           <a:bodyPr/>
           <a:lstStyle/>
           <a:p>
-            <a:fld id="{AE08E73F-E472-4BA9-A4C1-B377D2F446DE}" type="datetimeFigureOut">
+            <a:fld id="{B9A28B4A-60F5-4997-8B5A-72EA4D88CEFD}" type="datetimeFigureOut">
               <a:rPr lang="zh-CN" altLang="en-US" smtClean="0"/>
               <a:t>2024/3/10</a:t>
             </a:fld>
@@ -2674,7 +2674,7 @@
           <p:cNvPr id="6" name="页脚占位符 5">
             <a:extLst>
               <a:ext uri="{FF2B5EF4-FFF2-40B4-BE49-F238E27FC236}">
-                <a16:creationId xmlns:a16="http://schemas.microsoft.com/office/drawing/2014/main" id="{BF8F5AD5-067C-FAA9-001A-EA06E20AEA66}"/>
+                <a16:creationId xmlns:a16="http://schemas.microsoft.com/office/drawing/2014/main" id="{54D7F85E-2E0B-8590-B0B2-6A02749372A7}"/>
               </a:ext>
             </a:extLst>
           </p:cNvPr>
@@ -2699,7 +2699,7 @@
           <p:cNvPr id="7" name="灯片编号占位符 6">
             <a:extLst>
               <a:ext uri="{FF2B5EF4-FFF2-40B4-BE49-F238E27FC236}">
-                <a16:creationId xmlns:a16="http://schemas.microsoft.com/office/drawing/2014/main" id="{26D57491-EDD3-649E-8606-E2948C705411}"/>
+                <a16:creationId xmlns:a16="http://schemas.microsoft.com/office/drawing/2014/main" id="{60F3424F-7394-7E6C-7FDE-9D4DB1E470F2}"/>
               </a:ext>
             </a:extLst>
           </p:cNvPr>
@@ -2715,7 +2715,7 @@
           <a:bodyPr/>
           <a:lstStyle/>
           <a:p>
-            <a:fld id="{4F4FAEB4-4063-42E6-A7EA-AD15066868D5}" type="slidenum">
+            <a:fld id="{843B6D1E-FF17-41A3-9A3C-BE80BB4271EF}" type="slidenum">
               <a:rPr lang="zh-CN" altLang="en-US" smtClean="0"/>
               <a:t>‹#›</a:t>
             </a:fld>
@@ -2726,7 +2726,7 @@
     </p:spTree>
     <p:extLst>
       <p:ext uri="{BB962C8B-B14F-4D97-AF65-F5344CB8AC3E}">
-        <p14:creationId xmlns:p14="http://schemas.microsoft.com/office/powerpoint/2010/main" val="3108317815"/>
+        <p14:creationId xmlns:p14="http://schemas.microsoft.com/office/powerpoint/2010/main" val="4244145595"/>
       </p:ext>
     </p:extLst>
   </p:cSld>
@@ -2763,7 +2763,7 @@
           <p:cNvPr id="2" name="标题占位符 1">
             <a:extLst>
               <a:ext uri="{FF2B5EF4-FFF2-40B4-BE49-F238E27FC236}">
-                <a16:creationId xmlns:a16="http://schemas.microsoft.com/office/drawing/2014/main" id="{87A16FD4-D0B2-6368-B380-78C6D4543BC8}"/>
+                <a16:creationId xmlns:a16="http://schemas.microsoft.com/office/drawing/2014/main" id="{A64C8F9B-7F99-7DE3-9BD4-01483AB61C1F}"/>
               </a:ext>
             </a:extLst>
           </p:cNvPr>
@@ -2801,7 +2801,7 @@
           <p:cNvPr id="3" name="文本占位符 2">
             <a:extLst>
               <a:ext uri="{FF2B5EF4-FFF2-40B4-BE49-F238E27FC236}">
-                <a16:creationId xmlns:a16="http://schemas.microsoft.com/office/drawing/2014/main" id="{E640467F-1C43-FC42-90E3-2441230EF2FC}"/>
+                <a16:creationId xmlns:a16="http://schemas.microsoft.com/office/drawing/2014/main" id="{143749FA-EC11-BCBD-15E2-C8B3ED6A7548}"/>
               </a:ext>
             </a:extLst>
           </p:cNvPr>
@@ -2868,7 +2868,7 @@
           <p:cNvPr id="4" name="日期占位符 3">
             <a:extLst>
               <a:ext uri="{FF2B5EF4-FFF2-40B4-BE49-F238E27FC236}">
-                <a16:creationId xmlns:a16="http://schemas.microsoft.com/office/drawing/2014/main" id="{CD2F5F62-9DBF-2E2D-48F7-8BC9690A0B8A}"/>
+                <a16:creationId xmlns:a16="http://schemas.microsoft.com/office/drawing/2014/main" id="{E664FDE1-2486-E11A-B7A4-E26D86BB16C3}"/>
               </a:ext>
             </a:extLst>
           </p:cNvPr>
@@ -2902,7 +2902,7 @@
             </a:lvl1pPr>
           </a:lstStyle>
           <a:p>
-            <a:fld id="{AE08E73F-E472-4BA9-A4C1-B377D2F446DE}" type="datetimeFigureOut">
+            <a:fld id="{B9A28B4A-60F5-4997-8B5A-72EA4D88CEFD}" type="datetimeFigureOut">
               <a:rPr lang="zh-CN" altLang="en-US" smtClean="0"/>
               <a:t>2024/3/10</a:t>
             </a:fld>
@@ -2915,7 +2915,7 @@
           <p:cNvPr id="5" name="页脚占位符 4">
             <a:extLst>
               <a:ext uri="{FF2B5EF4-FFF2-40B4-BE49-F238E27FC236}">
-                <a16:creationId xmlns:a16="http://schemas.microsoft.com/office/drawing/2014/main" id="{9CECC54A-880F-BBFF-9A57-D0D154ACB657}"/>
+                <a16:creationId xmlns:a16="http://schemas.microsoft.com/office/drawing/2014/main" id="{B4396588-A5DE-85C9-3AAD-D5DCFF492071}"/>
               </a:ext>
             </a:extLst>
           </p:cNvPr>
@@ -2958,7 +2958,7 @@
           <p:cNvPr id="6" name="灯片编号占位符 5">
             <a:extLst>
               <a:ext uri="{FF2B5EF4-FFF2-40B4-BE49-F238E27FC236}">
-                <a16:creationId xmlns:a16="http://schemas.microsoft.com/office/drawing/2014/main" id="{881F32AA-7FAE-716D-8847-C382BE7D0B83}"/>
+                <a16:creationId xmlns:a16="http://schemas.microsoft.com/office/drawing/2014/main" id="{3FA9090A-0E6C-3674-246B-B9803BA691F9}"/>
               </a:ext>
             </a:extLst>
           </p:cNvPr>
@@ -2992,7 +2992,7 @@
             </a:lvl1pPr>
           </a:lstStyle>
           <a:p>
-            <a:fld id="{4F4FAEB4-4063-42E6-A7EA-AD15066868D5}" type="slidenum">
+            <a:fld id="{843B6D1E-FF17-41A3-9A3C-BE80BB4271EF}" type="slidenum">
               <a:rPr lang="zh-CN" altLang="en-US" smtClean="0"/>
               <a:t>‹#›</a:t>
             </a:fld>
@@ -3003,7 +3003,7 @@
     </p:spTree>
     <p:extLst>
       <p:ext uri="{BB962C8B-B14F-4D97-AF65-F5344CB8AC3E}">
-        <p14:creationId xmlns:p14="http://schemas.microsoft.com/office/powerpoint/2010/main" val="2569775075"/>
+        <p14:creationId xmlns:p14="http://schemas.microsoft.com/office/powerpoint/2010/main" val="2442975604"/>
       </p:ext>
     </p:extLst>
   </p:cSld>
